--- a/app/static/presentations/custom_styles/Professional.pptx
+++ b/app/static/presentations/custom_styles/Professional.pptx
@@ -19,7 +19,7 @@
       <p:regular r:id="rId5"/>
     </p:embeddedFont>
     <p:embeddedFont>
-      <p:font typeface="Poppins" panose="020B0502040204020203" pitchFamily="2" charset="0"/>
+      <p:font typeface="Poppins" panose="00000500000000000000" pitchFamily="2" charset="0"/>
       <p:regular r:id="rId6"/>
       <p:bold r:id="rId7"/>
       <p:italic r:id="rId8"/>
@@ -255,6 +255,11 @@
       </a:defRPr>
     </a:lvl9pPr>
   </p:defaultTextStyle>
+  <p:extLst>
+    <p:ext uri="{EFAFB233-063F-42B5-8137-9DF3F51BA10A}">
+      <p15:sldGuideLst xmlns:p15="http://schemas.microsoft.com/office/powerpoint/2012/main"/>
+    </p:ext>
+  </p:extLst>
 </p:presentation>
 </file>
 
@@ -3062,7 +3067,7 @@
 </file>
 
 <file path=ppt/slideLayouts/slideLayout7.xml><?xml version="1.0" encoding="utf-8"?>
-<p:sldLayout xmlns:a="http://schemas.openxmlformats.org/drawingml/2006/main" xmlns:r="http://schemas.openxmlformats.org/officeDocument/2006/relationships" xmlns:p="http://schemas.openxmlformats.org/presentationml/2006/main" matchingName="Title only 1">
+<p:sldLayout xmlns:a="http://schemas.openxmlformats.org/drawingml/2006/main" xmlns:r="http://schemas.openxmlformats.org/officeDocument/2006/relationships" xmlns:p="http://schemas.openxmlformats.org/presentationml/2006/main" matchingName="Title only 1" userDrawn="1">
   <p:cSld name="TITLE_ONLY_1">
     <p:spTree>
       <p:nvGrpSpPr>
@@ -3377,6 +3382,36 @@
           </p:spPr>
         </p:pic>
       </p:grpSp>
+      <p:sp>
+        <p:nvSpPr>
+          <p:cNvPr id="3" name="Picture Placeholder 2">
+            <a:extLst>
+              <a:ext uri="{FF2B5EF4-FFF2-40B4-BE49-F238E27FC236}">
+                <a16:creationId xmlns:a16="http://schemas.microsoft.com/office/drawing/2014/main" id="{F0653C24-CC1B-C34A-49B4-38CAC0EC8055}"/>
+              </a:ext>
+            </a:extLst>
+          </p:cNvPr>
+          <p:cNvSpPr>
+            <a:spLocks noGrp="1"/>
+          </p:cNvSpPr>
+          <p:nvPr>
+            <p:ph type="pic" sz="quarter" idx="10"/>
+          </p:nvPr>
+        </p:nvSpPr>
+        <p:spPr>
+          <a:xfrm>
+            <a:off x="5737859" y="1485900"/>
+            <a:ext cx="2685415" cy="3117850"/>
+          </a:xfrm>
+        </p:spPr>
+        <p:txBody>
+          <a:bodyPr/>
+          <a:lstStyle/>
+          <a:p>
+            <a:endParaRPr lang="en-US"/>
+          </a:p>
+        </p:txBody>
+      </p:sp>
     </p:spTree>
   </p:cSld>
   <p:clrMapOvr>
@@ -5218,39 +5253,51 @@
       </p:grpSpPr>
       <p:sp>
         <p:nvSpPr>
-          <p:cNvPr id="335" name="Google Shape;335;p36"/>
-          <p:cNvSpPr txBox="1">
+          <p:cNvPr id="2" name="Title 1">
+            <a:extLst>
+              <a:ext uri="{FF2B5EF4-FFF2-40B4-BE49-F238E27FC236}">
+                <a16:creationId xmlns:a16="http://schemas.microsoft.com/office/drawing/2014/main" id="{FFB8CED7-E287-5D77-BC32-EADAB02D13E1}"/>
+              </a:ext>
+            </a:extLst>
+          </p:cNvPr>
+          <p:cNvSpPr>
             <a:spLocks noGrp="1"/>
           </p:cNvSpPr>
           <p:nvPr>
             <p:ph type="title"/>
           </p:nvPr>
         </p:nvSpPr>
-        <p:spPr>
-          <a:xfrm>
-            <a:off x="720000" y="539500"/>
-            <a:ext cx="7704000" cy="572700"/>
-          </a:xfrm>
-          <a:prstGeom prst="rect">
-            <a:avLst/>
-          </a:prstGeom>
-        </p:spPr>
+        <p:spPr/>
         <p:txBody>
-          <a:bodyPr spcFirstLastPara="1" wrap="square" lIns="91425" tIns="91425" rIns="91425" bIns="91425" anchor="t" anchorCtr="0">
-            <a:noAutofit/>
-          </a:bodyPr>
+          <a:bodyPr/>
           <a:lstStyle/>
           <a:p>
-            <a:pPr marL="0" lvl="0" indent="0" algn="ctr" rtl="0">
-              <a:spcBef>
-                <a:spcPts val="0"/>
-              </a:spcBef>
-              <a:spcAft>
-                <a:spcPts val="0"/>
-              </a:spcAft>
-              <a:buNone/>
-            </a:pPr>
-            <a:endParaRPr dirty="0"/>
+            <a:endParaRPr lang="en-US"/>
+          </a:p>
+        </p:txBody>
+      </p:sp>
+      <p:sp>
+        <p:nvSpPr>
+          <p:cNvPr id="3" name="Picture Placeholder 2">
+            <a:extLst>
+              <a:ext uri="{FF2B5EF4-FFF2-40B4-BE49-F238E27FC236}">
+                <a16:creationId xmlns:a16="http://schemas.microsoft.com/office/drawing/2014/main" id="{E9AE6A4A-14A9-BB84-BCA2-D3901304555A}"/>
+              </a:ext>
+            </a:extLst>
+          </p:cNvPr>
+          <p:cNvSpPr>
+            <a:spLocks noGrp="1"/>
+          </p:cNvSpPr>
+          <p:nvPr>
+            <p:ph type="pic" sz="quarter" idx="10"/>
+          </p:nvPr>
+        </p:nvSpPr>
+        <p:spPr/>
+        <p:txBody>
+          <a:bodyPr/>
+          <a:lstStyle/>
+          <a:p>
+            <a:endParaRPr lang="en-US"/>
           </a:p>
         </p:txBody>
       </p:sp>
